--- a/Seccion 3 Distribución multivariante/Diapositivas/3.7 Distribuciones esféricas y elípticas.pptx
+++ b/Seccion 3 Distribución multivariante/Diapositivas/3.7 Distribuciones esféricas y elípticas.pptx
@@ -4160,7 +4160,7 @@
             <a:fld id="{B61BEF0D-F0BB-DE4B-95CE-6DB70DBA9567}" type="datetimeFigureOut">
               <a:rPr lang="en-US" dirty="0"/>
               <a:pPr/>
-              <a:t>12/19/2019</a:t>
+              <a:t>3/26/2020</a:t>
             </a:fld>
             <a:endParaRPr lang="en-US" dirty="0"/>
           </a:p>
@@ -4408,7 +4408,7 @@
             <a:fld id="{B61BEF0D-F0BB-DE4B-95CE-6DB70DBA9567}" type="datetimeFigureOut">
               <a:rPr lang="en-US" dirty="0"/>
               <a:pPr/>
-              <a:t>12/19/2019</a:t>
+              <a:t>3/26/2020</a:t>
             </a:fld>
             <a:endParaRPr lang="en-US" dirty="0"/>
           </a:p>
@@ -4719,7 +4719,7 @@
             <a:fld id="{B61BEF0D-F0BB-DE4B-95CE-6DB70DBA9567}" type="datetimeFigureOut">
               <a:rPr lang="en-US" dirty="0"/>
               <a:pPr/>
-              <a:t>12/19/2019</a:t>
+              <a:t>3/26/2020</a:t>
             </a:fld>
             <a:endParaRPr lang="en-US" dirty="0"/>
           </a:p>
@@ -5043,7 +5043,7 @@
             <a:fld id="{B61BEF0D-F0BB-DE4B-95CE-6DB70DBA9567}" type="datetimeFigureOut">
               <a:rPr lang="en-US" dirty="0"/>
               <a:pPr/>
-              <a:t>12/19/2019</a:t>
+              <a:t>3/26/2020</a:t>
             </a:fld>
             <a:endParaRPr lang="en-US" dirty="0"/>
           </a:p>
@@ -5354,7 +5354,7 @@
             <a:fld id="{B61BEF0D-F0BB-DE4B-95CE-6DB70DBA9567}" type="datetimeFigureOut">
               <a:rPr lang="en-US" dirty="0"/>
               <a:pPr/>
-              <a:t>12/19/2019</a:t>
+              <a:t>3/26/2020</a:t>
             </a:fld>
             <a:endParaRPr lang="en-US" dirty="0"/>
           </a:p>
@@ -5738,7 +5738,7 @@
             <a:fld id="{B61BEF0D-F0BB-DE4B-95CE-6DB70DBA9567}" type="datetimeFigureOut">
               <a:rPr lang="en-US" dirty="0"/>
               <a:pPr/>
-              <a:t>12/19/2019</a:t>
+              <a:t>3/26/2020</a:t>
             </a:fld>
             <a:endParaRPr lang="en-US" dirty="0"/>
           </a:p>
@@ -5904,7 +5904,7 @@
           <a:p>
             <a:fld id="{55C6B4A9-1611-4792-9094-5F34BCA07E0B}" type="datetimeFigureOut">
               <a:rPr lang="en-US" dirty="0"/>
-              <a:t>12/19/2019</a:t>
+              <a:t>3/26/2020</a:t>
             </a:fld>
             <a:endParaRPr lang="en-US" dirty="0"/>
           </a:p>
@@ -6080,7 +6080,7 @@
             <a:fld id="{B61BEF0D-F0BB-DE4B-95CE-6DB70DBA9567}" type="datetimeFigureOut">
               <a:rPr lang="en-US" dirty="0"/>
               <a:pPr/>
-              <a:t>12/19/2019</a:t>
+              <a:t>3/26/2020</a:t>
             </a:fld>
             <a:endParaRPr lang="en-US" dirty="0"/>
           </a:p>
@@ -6285,7 +6285,7 @@
             <a:fld id="{B61BEF0D-F0BB-DE4B-95CE-6DB70DBA9567}" type="datetimeFigureOut">
               <a:rPr lang="en-US" smtClean="0"/>
               <a:pPr/>
-              <a:t>12/19/2019</a:t>
+              <a:t>3/26/2020</a:t>
             </a:fld>
             <a:endParaRPr lang="en-US" dirty="0"/>
           </a:p>
@@ -6485,7 +6485,7 @@
             <a:fld id="{B61BEF0D-F0BB-DE4B-95CE-6DB70DBA9567}" type="datetimeFigureOut">
               <a:rPr lang="en-US" smtClean="0"/>
               <a:pPr/>
-              <a:t>12/19/2019</a:t>
+              <a:t>3/26/2020</a:t>
             </a:fld>
             <a:endParaRPr lang="en-US" dirty="0"/>
           </a:p>
@@ -6762,7 +6762,7 @@
             <a:fld id="{B61BEF0D-F0BB-DE4B-95CE-6DB70DBA9567}" type="datetimeFigureOut">
               <a:rPr lang="en-US" smtClean="0"/>
               <a:pPr/>
-              <a:t>12/19/2019</a:t>
+              <a:t>3/26/2020</a:t>
             </a:fld>
             <a:endParaRPr lang="en-US" dirty="0"/>
           </a:p>
@@ -6952,7 +6952,7 @@
             <a:fld id="{B61BEF0D-F0BB-DE4B-95CE-6DB70DBA9567}" type="datetimeFigureOut">
               <a:rPr lang="en-US" dirty="0"/>
               <a:pPr/>
-              <a:t>12/19/2019</a:t>
+              <a:t>3/26/2020</a:t>
             </a:fld>
             <a:endParaRPr lang="en-US" dirty="0"/>
           </a:p>
@@ -7201,7 +7201,7 @@
           <a:p>
             <a:fld id="{EB712588-04B1-427B-82EE-E8DB90309F08}" type="datetimeFigureOut">
               <a:rPr lang="en-US" smtClean="0"/>
-              <a:t>12/19/2019</a:t>
+              <a:t>3/26/2020</a:t>
             </a:fld>
             <a:endParaRPr lang="en-US" dirty="0"/>
           </a:p>
@@ -7614,7 +7614,7 @@
             <a:fld id="{B61BEF0D-F0BB-DE4B-95CE-6DB70DBA9567}" type="datetimeFigureOut">
               <a:rPr lang="en-US" smtClean="0"/>
               <a:pPr/>
-              <a:t>12/19/2019</a:t>
+              <a:t>3/26/2020</a:t>
             </a:fld>
             <a:endParaRPr lang="en-US" dirty="0"/>
           </a:p>
@@ -7757,7 +7757,7 @@
             <a:fld id="{B61BEF0D-F0BB-DE4B-95CE-6DB70DBA9567}" type="datetimeFigureOut">
               <a:rPr lang="en-US" smtClean="0"/>
               <a:pPr/>
-              <a:t>12/19/2019</a:t>
+              <a:t>3/26/2020</a:t>
             </a:fld>
             <a:endParaRPr lang="en-US" dirty="0"/>
           </a:p>
@@ -7872,7 +7872,7 @@
             <a:fld id="{B61BEF0D-F0BB-DE4B-95CE-6DB70DBA9567}" type="datetimeFigureOut">
               <a:rPr lang="en-US" smtClean="0"/>
               <a:pPr/>
-              <a:t>12/19/2019</a:t>
+              <a:t>3/26/2020</a:t>
             </a:fld>
             <a:endParaRPr lang="en-US" dirty="0"/>
           </a:p>
@@ -8184,7 +8184,7 @@
           <a:p>
             <a:fld id="{42A54C80-263E-416B-A8E0-580EDEADCBDC}" type="datetimeFigureOut">
               <a:rPr lang="en-US" smtClean="0"/>
-              <a:t>12/19/2019</a:t>
+              <a:t>3/26/2020</a:t>
             </a:fld>
             <a:endParaRPr lang="en-US" dirty="0"/>
           </a:p>
@@ -8473,7 +8473,7 @@
             <a:fld id="{B61BEF0D-F0BB-DE4B-95CE-6DB70DBA9567}" type="datetimeFigureOut">
               <a:rPr lang="en-US" smtClean="0"/>
               <a:pPr/>
-              <a:t>12/19/2019</a:t>
+              <a:t>3/26/2020</a:t>
             </a:fld>
             <a:endParaRPr lang="en-US" dirty="0"/>
           </a:p>
@@ -8672,7 +8672,7 @@
           <a:p>
             <a:fld id="{55C6B4A9-1611-4792-9094-5F34BCA07E0B}" type="datetimeFigureOut">
               <a:rPr lang="en-US" smtClean="0"/>
-              <a:t>12/19/2019</a:t>
+              <a:t>3/26/2020</a:t>
             </a:fld>
             <a:endParaRPr lang="en-US" dirty="0"/>
           </a:p>
@@ -8881,7 +8881,7 @@
             <a:fld id="{B61BEF0D-F0BB-DE4B-95CE-6DB70DBA9567}" type="datetimeFigureOut">
               <a:rPr lang="en-US" smtClean="0"/>
               <a:pPr/>
-              <a:t>12/19/2019</a:t>
+              <a:t>3/26/2020</a:t>
             </a:fld>
             <a:endParaRPr lang="en-US" dirty="0"/>
           </a:p>
@@ -9103,7 +9103,7 @@
             <a:fld id="{B61BEF0D-F0BB-DE4B-95CE-6DB70DBA9567}" type="datetimeFigureOut">
               <a:rPr lang="en-US" smtClean="0"/>
               <a:pPr/>
-              <a:t>12/19/2019</a:t>
+              <a:t>3/26/2020</a:t>
             </a:fld>
             <a:endParaRPr lang="en-US" dirty="0"/>
           </a:p>
@@ -9303,7 +9303,7 @@
             <a:fld id="{B61BEF0D-F0BB-DE4B-95CE-6DB70DBA9567}" type="datetimeFigureOut">
               <a:rPr lang="en-US" smtClean="0"/>
               <a:pPr/>
-              <a:t>12/19/2019</a:t>
+              <a:t>3/26/2020</a:t>
             </a:fld>
             <a:endParaRPr lang="en-US" dirty="0"/>
           </a:p>
@@ -9564,7 +9564,7 @@
             <a:fld id="{B61BEF0D-F0BB-DE4B-95CE-6DB70DBA9567}" type="datetimeFigureOut">
               <a:rPr lang="en-US" dirty="0"/>
               <a:pPr/>
-              <a:t>12/19/2019</a:t>
+              <a:t>3/26/2020</a:t>
             </a:fld>
             <a:endParaRPr lang="en-US" dirty="0"/>
           </a:p>
@@ -9824,7 +9824,7 @@
             <a:fld id="{B61BEF0D-F0BB-DE4B-95CE-6DB70DBA9567}" type="datetimeFigureOut">
               <a:rPr lang="en-US" smtClean="0"/>
               <a:pPr/>
-              <a:t>12/19/2019</a:t>
+              <a:t>3/26/2020</a:t>
             </a:fld>
             <a:endParaRPr lang="en-US" dirty="0"/>
           </a:p>
@@ -10090,7 +10090,7 @@
           <a:p>
             <a:fld id="{EB712588-04B1-427B-82EE-E8DB90309F08}" type="datetimeFigureOut">
               <a:rPr lang="en-US" smtClean="0"/>
-              <a:t>12/19/2019</a:t>
+              <a:t>3/26/2020</a:t>
             </a:fld>
             <a:endParaRPr lang="en-US" dirty="0"/>
           </a:p>
@@ -10503,7 +10503,7 @@
             <a:fld id="{B61BEF0D-F0BB-DE4B-95CE-6DB70DBA9567}" type="datetimeFigureOut">
               <a:rPr lang="en-US" smtClean="0"/>
               <a:pPr/>
-              <a:t>12/19/2019</a:t>
+              <a:t>3/26/2020</a:t>
             </a:fld>
             <a:endParaRPr lang="en-US" dirty="0"/>
           </a:p>
@@ -10646,7 +10646,7 @@
             <a:fld id="{B61BEF0D-F0BB-DE4B-95CE-6DB70DBA9567}" type="datetimeFigureOut">
               <a:rPr lang="en-US" smtClean="0"/>
               <a:pPr/>
-              <a:t>12/19/2019</a:t>
+              <a:t>3/26/2020</a:t>
             </a:fld>
             <a:endParaRPr lang="en-US" dirty="0"/>
           </a:p>
@@ -10761,7 +10761,7 @@
             <a:fld id="{B61BEF0D-F0BB-DE4B-95CE-6DB70DBA9567}" type="datetimeFigureOut">
               <a:rPr lang="en-US" smtClean="0"/>
               <a:pPr/>
-              <a:t>12/19/2019</a:t>
+              <a:t>3/26/2020</a:t>
             </a:fld>
             <a:endParaRPr lang="en-US" dirty="0"/>
           </a:p>
@@ -11073,7 +11073,7 @@
           <a:p>
             <a:fld id="{42A54C80-263E-416B-A8E0-580EDEADCBDC}" type="datetimeFigureOut">
               <a:rPr lang="en-US" smtClean="0"/>
-              <a:t>12/19/2019</a:t>
+              <a:t>3/26/2020</a:t>
             </a:fld>
             <a:endParaRPr lang="en-US" dirty="0"/>
           </a:p>
@@ -11362,7 +11362,7 @@
             <a:fld id="{B61BEF0D-F0BB-DE4B-95CE-6DB70DBA9567}" type="datetimeFigureOut">
               <a:rPr lang="en-US" smtClean="0"/>
               <a:pPr/>
-              <a:t>12/19/2019</a:t>
+              <a:t>3/26/2020</a:t>
             </a:fld>
             <a:endParaRPr lang="en-US" dirty="0"/>
           </a:p>
@@ -11561,7 +11561,7 @@
           <a:p>
             <a:fld id="{55C6B4A9-1611-4792-9094-5F34BCA07E0B}" type="datetimeFigureOut">
               <a:rPr lang="en-US" smtClean="0"/>
-              <a:t>12/19/2019</a:t>
+              <a:t>3/26/2020</a:t>
             </a:fld>
             <a:endParaRPr lang="en-US" dirty="0"/>
           </a:p>
@@ -11770,7 +11770,7 @@
             <a:fld id="{B61BEF0D-F0BB-DE4B-95CE-6DB70DBA9567}" type="datetimeFigureOut">
               <a:rPr lang="en-US" smtClean="0"/>
               <a:pPr/>
-              <a:t>12/19/2019</a:t>
+              <a:t>3/26/2020</a:t>
             </a:fld>
             <a:endParaRPr lang="en-US" dirty="0"/>
           </a:p>
@@ -12015,7 +12015,7 @@
           <a:p>
             <a:fld id="{EB712588-04B1-427B-82EE-E8DB90309F08}" type="datetimeFigureOut">
               <a:rPr lang="en-US" dirty="0"/>
-              <a:t>12/19/2019</a:t>
+              <a:t>3/26/2020</a:t>
             </a:fld>
             <a:endParaRPr lang="en-US" dirty="0"/>
           </a:p>
@@ -12385,7 +12385,7 @@
             <a:fld id="{B61BEF0D-F0BB-DE4B-95CE-6DB70DBA9567}" type="datetimeFigureOut">
               <a:rPr lang="en-US" dirty="0"/>
               <a:pPr/>
-              <a:t>12/19/2019</a:t>
+              <a:t>3/26/2020</a:t>
             </a:fld>
             <a:endParaRPr lang="en-US" dirty="0"/>
           </a:p>
@@ -12505,7 +12505,7 @@
             <a:fld id="{B61BEF0D-F0BB-DE4B-95CE-6DB70DBA9567}" type="datetimeFigureOut">
               <a:rPr lang="en-US" dirty="0"/>
               <a:pPr/>
-              <a:t>12/19/2019</a:t>
+              <a:t>3/26/2020</a:t>
             </a:fld>
             <a:endParaRPr lang="en-US" dirty="0"/>
           </a:p>
@@ -12597,7 +12597,7 @@
             <a:fld id="{B61BEF0D-F0BB-DE4B-95CE-6DB70DBA9567}" type="datetimeFigureOut">
               <a:rPr lang="en-US" dirty="0"/>
               <a:pPr/>
-              <a:t>12/19/2019</a:t>
+              <a:t>3/26/2020</a:t>
             </a:fld>
             <a:endParaRPr lang="en-US" dirty="0"/>
           </a:p>
@@ -12848,7 +12848,7 @@
           <a:p>
             <a:fld id="{42A54C80-263E-416B-A8E0-580EDEADCBDC}" type="datetimeFigureOut">
               <a:rPr lang="en-US" dirty="0"/>
-              <a:t>12/19/2019</a:t>
+              <a:t>3/26/2020</a:t>
             </a:fld>
             <a:endParaRPr lang="en-US" dirty="0"/>
           </a:p>
@@ -13107,7 +13107,7 @@
             <a:fld id="{B61BEF0D-F0BB-DE4B-95CE-6DB70DBA9567}" type="datetimeFigureOut">
               <a:rPr lang="en-US" dirty="0"/>
               <a:pPr/>
-              <a:t>12/19/2019</a:t>
+              <a:t>3/26/2020</a:t>
             </a:fld>
             <a:endParaRPr lang="en-US" dirty="0"/>
           </a:p>
@@ -13849,7 +13849,7 @@
             <a:fld id="{B61BEF0D-F0BB-DE4B-95CE-6DB70DBA9567}" type="datetimeFigureOut">
               <a:rPr lang="en-US" dirty="0"/>
               <a:pPr/>
-              <a:t>12/19/2019</a:t>
+              <a:t>3/26/2020</a:t>
             </a:fld>
             <a:endParaRPr lang="en-US" dirty="0"/>
           </a:p>
@@ -14521,7 +14521,7 @@
             <a:fld id="{B61BEF0D-F0BB-DE4B-95CE-6DB70DBA9567}" type="datetimeFigureOut">
               <a:rPr lang="en-US" smtClean="0"/>
               <a:pPr/>
-              <a:t>12/19/2019</a:t>
+              <a:t>3/26/2020</a:t>
             </a:fld>
             <a:endParaRPr lang="en-US" dirty="0"/>
           </a:p>
@@ -15091,7 +15091,7 @@
             <a:fld id="{B61BEF0D-F0BB-DE4B-95CE-6DB70DBA9567}" type="datetimeFigureOut">
               <a:rPr lang="en-US" smtClean="0"/>
               <a:pPr/>
-              <a:t>12/19/2019</a:t>
+              <a:t>3/26/2020</a:t>
             </a:fld>
             <a:endParaRPr lang="en-US" dirty="0"/>
           </a:p>
@@ -16527,19 +16527,7 @@
                           <a:rPr lang="es-ES" b="0" i="1" smtClean="0">
                             <a:latin typeface="Cambria Math" panose="02040503050406030204" pitchFamily="18" charset="0"/>
                           </a:rPr>
-                          <m:t>,</m:t>
-                        </m:r>
-                        <m:r>
-                          <a:rPr lang="es-ES" b="0" i="1" smtClean="0">
-                            <a:latin typeface="Cambria Math" panose="02040503050406030204" pitchFamily="18" charset="0"/>
-                          </a:rPr>
-                          <m:t>…</m:t>
-                        </m:r>
-                        <m:r>
-                          <a:rPr lang="es-ES" b="0" i="1" smtClean="0">
-                            <a:latin typeface="Cambria Math" panose="02040503050406030204" pitchFamily="18" charset="0"/>
-                          </a:rPr>
-                          <m:t>,</m:t>
+                          <m:t>,…,</m:t>
                         </m:r>
                         <m:sSub>
                           <m:sSubPr>
@@ -16572,120 +16560,154 @@
                 </a14:m>
                 <a:r>
                   <a:rPr lang="es-ES" dirty="0"/>
-                  <a:t> sigue una distribución elíptica si su función de densidad solo depende de la variable a través de </a:t>
+                  <a:t> sigue una </a:t>
                 </a:r>
-                <a14:m>
-                  <m:oMath xmlns:m="http://schemas.openxmlformats.org/officeDocument/2006/math">
-                    <m:sSup>
-                      <m:sSupPr>
-                        <m:ctrlPr>
-                          <a:rPr lang="es-ES" b="1" i="1" smtClean="0">
-                            <a:latin typeface="Cambria Math" panose="02040503050406030204" pitchFamily="18" charset="0"/>
-                          </a:rPr>
-                        </m:ctrlPr>
-                      </m:sSupPr>
-                      <m:e>
-                        <m:d>
-                          <m:dPr>
-                            <m:ctrlPr>
-                              <a:rPr lang="es-ES" b="0" i="1" smtClean="0">
-                                <a:latin typeface="Cambria Math" panose="02040503050406030204" pitchFamily="18" charset="0"/>
-                              </a:rPr>
-                            </m:ctrlPr>
-                          </m:dPr>
-                          <m:e>
-                            <m:r>
-                              <a:rPr lang="es-ES" b="1">
-                                <a:latin typeface="Cambria Math" panose="02040503050406030204" pitchFamily="18" charset="0"/>
-                              </a:rPr>
-                              <m:t>𝐱</m:t>
-                            </m:r>
-                            <m:r>
-                              <a:rPr lang="es-ES" b="1" i="0" smtClean="0">
-                                <a:latin typeface="Cambria Math" panose="02040503050406030204" pitchFamily="18" charset="0"/>
-                              </a:rPr>
-                              <m:t>−</m:t>
-                            </m:r>
-                            <m:r>
-                              <a:rPr lang="es-ES" b="1" i="0" smtClean="0">
-                                <a:latin typeface="Cambria Math" panose="02040503050406030204" pitchFamily="18" charset="0"/>
-                              </a:rPr>
-                              <m:t>𝐦</m:t>
-                            </m:r>
-                          </m:e>
-                        </m:d>
-                      </m:e>
-                      <m:sup>
-                        <m:r>
-                          <a:rPr lang="es-ES" b="1" i="0" smtClean="0">
-                            <a:latin typeface="Cambria Math" panose="02040503050406030204" pitchFamily="18" charset="0"/>
-                          </a:rPr>
-                          <m:t>𝐭</m:t>
-                        </m:r>
-                      </m:sup>
-                    </m:sSup>
-                    <m:sSup>
-                      <m:sSupPr>
-                        <m:ctrlPr>
-                          <a:rPr lang="es-ES" i="1" smtClean="0">
-                            <a:latin typeface="Cambria Math" panose="02040503050406030204" pitchFamily="18" charset="0"/>
-                          </a:rPr>
-                        </m:ctrlPr>
-                      </m:sSupPr>
-                      <m:e>
-                        <m:r>
-                          <m:rPr>
-                            <m:sty m:val="p"/>
-                          </m:rPr>
-                          <a:rPr lang="es-ES" b="0" i="0" smtClean="0">
-                            <a:latin typeface="Cambria Math" panose="02040503050406030204" pitchFamily="18" charset="0"/>
-                          </a:rPr>
-                          <m:t>V</m:t>
-                        </m:r>
-                      </m:e>
-                      <m:sup>
-                        <m:r>
-                          <a:rPr lang="es-ES" b="0" i="0" smtClean="0">
-                            <a:latin typeface="Cambria Math" panose="02040503050406030204" pitchFamily="18" charset="0"/>
-                          </a:rPr>
-                          <m:t>−1</m:t>
-                        </m:r>
-                      </m:sup>
-                    </m:sSup>
-                    <m:d>
-                      <m:dPr>
-                        <m:ctrlPr>
-                          <a:rPr lang="es-ES" b="1" i="1" smtClean="0">
-                            <a:latin typeface="Cambria Math" panose="02040503050406030204" pitchFamily="18" charset="0"/>
-                          </a:rPr>
-                        </m:ctrlPr>
-                      </m:dPr>
-                      <m:e>
-                        <m:r>
-                          <a:rPr lang="es-ES" b="1" i="0" smtClean="0">
-                            <a:latin typeface="Cambria Math" panose="02040503050406030204" pitchFamily="18" charset="0"/>
-                          </a:rPr>
-                          <m:t>𝐱</m:t>
-                        </m:r>
-                        <m:r>
-                          <a:rPr lang="es-ES" b="1" i="0" smtClean="0">
-                            <a:latin typeface="Cambria Math" panose="02040503050406030204" pitchFamily="18" charset="0"/>
-                          </a:rPr>
-                          <m:t>−</m:t>
-                        </m:r>
-                        <m:r>
-                          <a:rPr lang="es-ES" b="1" i="0" smtClean="0">
-                            <a:latin typeface="Cambria Math" panose="02040503050406030204" pitchFamily="18" charset="0"/>
-                          </a:rPr>
-                          <m:t>𝐦</m:t>
-                        </m:r>
-                      </m:e>
-                    </m:d>
-                  </m:oMath>
-                </a14:m>
+                <a:r>
+                  <a:rPr lang="es-ES" dirty="0">
+                    <a:solidFill>
+                      <a:srgbClr val="92D050"/>
+                    </a:solidFill>
+                  </a:rPr>
+                  <a:t>distribución elíptica </a:t>
+                </a:r>
                 <a:r>
                   <a:rPr lang="es-ES" dirty="0"/>
-                  <a:t>, donde </a:t>
+                  <a:t>si su función de densidad solo depende de la variable a través de </a:t>
+                </a:r>
+              </a:p>
+              <a:p>
+                <a:pPr marL="0" indent="0">
+                  <a:spcAft>
+                    <a:spcPts val="1800"/>
+                  </a:spcAft>
+                  <a:buNone/>
+                </a:pPr>
+                <a14:m>
+                  <m:oMathPara xmlns:m="http://schemas.openxmlformats.org/officeDocument/2006/math">
+                    <m:oMathParaPr>
+                      <m:jc m:val="centerGroup"/>
+                    </m:oMathParaPr>
+                    <m:oMath xmlns:m="http://schemas.openxmlformats.org/officeDocument/2006/math">
+                      <m:sSup>
+                        <m:sSupPr>
+                          <m:ctrlPr>
+                            <a:rPr lang="es-ES" b="1" i="1" smtClean="0">
+                              <a:latin typeface="Cambria Math" panose="02040503050406030204" pitchFamily="18" charset="0"/>
+                            </a:rPr>
+                          </m:ctrlPr>
+                        </m:sSupPr>
+                        <m:e>
+                          <m:d>
+                            <m:dPr>
+                              <m:ctrlPr>
+                                <a:rPr lang="es-ES" b="0" i="1" smtClean="0">
+                                  <a:latin typeface="Cambria Math" panose="02040503050406030204" pitchFamily="18" charset="0"/>
+                                </a:rPr>
+                              </m:ctrlPr>
+                            </m:dPr>
+                            <m:e>
+                              <m:r>
+                                <a:rPr lang="es-ES" b="1">
+                                  <a:latin typeface="Cambria Math" panose="02040503050406030204" pitchFamily="18" charset="0"/>
+                                </a:rPr>
+                                <m:t>𝐱</m:t>
+                              </m:r>
+                              <m:r>
+                                <a:rPr lang="es-ES" b="1" i="0" smtClean="0">
+                                  <a:latin typeface="Cambria Math" panose="02040503050406030204" pitchFamily="18" charset="0"/>
+                                </a:rPr>
+                                <m:t>−</m:t>
+                              </m:r>
+                              <m:r>
+                                <a:rPr lang="es-ES" b="1" i="0" smtClean="0">
+                                  <a:latin typeface="Cambria Math" panose="02040503050406030204" pitchFamily="18" charset="0"/>
+                                </a:rPr>
+                                <m:t>𝐦</m:t>
+                              </m:r>
+                            </m:e>
+                          </m:d>
+                        </m:e>
+                        <m:sup>
+                          <m:r>
+                            <a:rPr lang="es-ES" b="1" i="0" smtClean="0">
+                              <a:latin typeface="Cambria Math" panose="02040503050406030204" pitchFamily="18" charset="0"/>
+                            </a:rPr>
+                            <m:t>𝐭</m:t>
+                          </m:r>
+                        </m:sup>
+                      </m:sSup>
+                      <m:sSup>
+                        <m:sSupPr>
+                          <m:ctrlPr>
+                            <a:rPr lang="es-ES" i="1" smtClean="0">
+                              <a:latin typeface="Cambria Math" panose="02040503050406030204" pitchFamily="18" charset="0"/>
+                            </a:rPr>
+                          </m:ctrlPr>
+                        </m:sSupPr>
+                        <m:e>
+                          <m:r>
+                            <m:rPr>
+                              <m:sty m:val="p"/>
+                            </m:rPr>
+                            <a:rPr lang="es-ES" b="0" i="0" smtClean="0">
+                              <a:latin typeface="Cambria Math" panose="02040503050406030204" pitchFamily="18" charset="0"/>
+                            </a:rPr>
+                            <m:t>V</m:t>
+                          </m:r>
+                        </m:e>
+                        <m:sup>
+                          <m:r>
+                            <a:rPr lang="es-ES" b="0" i="0" smtClean="0">
+                              <a:latin typeface="Cambria Math" panose="02040503050406030204" pitchFamily="18" charset="0"/>
+                            </a:rPr>
+                            <m:t>−1</m:t>
+                          </m:r>
+                        </m:sup>
+                      </m:sSup>
+                      <m:d>
+                        <m:dPr>
+                          <m:ctrlPr>
+                            <a:rPr lang="es-ES" b="1" i="1" smtClean="0">
+                              <a:latin typeface="Cambria Math" panose="02040503050406030204" pitchFamily="18" charset="0"/>
+                            </a:rPr>
+                          </m:ctrlPr>
+                        </m:dPr>
+                        <m:e>
+                          <m:r>
+                            <a:rPr lang="es-ES" b="1" i="0" smtClean="0">
+                              <a:latin typeface="Cambria Math" panose="02040503050406030204" pitchFamily="18" charset="0"/>
+                            </a:rPr>
+                            <m:t>𝐱</m:t>
+                          </m:r>
+                          <m:r>
+                            <a:rPr lang="es-ES" b="1" i="0" smtClean="0">
+                              <a:latin typeface="Cambria Math" panose="02040503050406030204" pitchFamily="18" charset="0"/>
+                            </a:rPr>
+                            <m:t>−</m:t>
+                          </m:r>
+                          <m:r>
+                            <a:rPr lang="es-ES" b="1" i="0" smtClean="0">
+                              <a:latin typeface="Cambria Math" panose="02040503050406030204" pitchFamily="18" charset="0"/>
+                            </a:rPr>
+                            <m:t>𝐦</m:t>
+                          </m:r>
+                        </m:e>
+                      </m:d>
+                    </m:oMath>
+                  </m:oMathPara>
+                </a14:m>
+                <a:endParaRPr lang="es-ES" dirty="0"/>
+              </a:p>
+              <a:p>
+                <a:pPr marL="0" indent="0">
+                  <a:spcAft>
+                    <a:spcPts val="1800"/>
+                  </a:spcAft>
+                  <a:buNone/>
+                </a:pPr>
+                <a:r>
+                  <a:rPr lang="es-ES" dirty="0"/>
+                  <a:t>	donde </a:t>
                 </a:r>
                 <a14:m>
                   <m:oMath xmlns:m="http://schemas.openxmlformats.org/officeDocument/2006/math">
@@ -16733,7 +16755,7 @@
                 </a14:m>
                 <a:r>
                   <a:rPr lang="es-ES" dirty="0"/>
-                  <a:t> es una matriz (no necesariamente la media y la matriz de covarianza de </a:t>
+                  <a:t> es una matriz (no necesariamente la 	media y la matriz de covarianza de </a:t>
                 </a:r>
                 <a14:m>
                   <m:oMath xmlns:m="http://schemas.openxmlformats.org/officeDocument/2006/math">
@@ -16783,7 +16805,31 @@
                 </a:pPr>
                 <a:r>
                   <a:rPr lang="es-ES" dirty="0"/>
-                  <a:t>En el caso bidimensional, serían elipses centradas en </a:t>
+                  <a:t>En el caso </a:t>
+                </a:r>
+                <a:r>
+                  <a:rPr lang="es-ES" dirty="0">
+                    <a:solidFill>
+                      <a:srgbClr val="FFC000"/>
+                    </a:solidFill>
+                  </a:rPr>
+                  <a:t>bidimensional</a:t>
+                </a:r>
+                <a:r>
+                  <a:rPr lang="es-ES" dirty="0"/>
+                  <a:t>, serían </a:t>
+                </a:r>
+                <a:r>
+                  <a:rPr lang="es-ES" dirty="0">
+                    <a:solidFill>
+                      <a:srgbClr val="FFC000"/>
+                    </a:solidFill>
+                  </a:rPr>
+                  <a:t>elipses</a:t>
+                </a:r>
+                <a:r>
+                  <a:rPr lang="es-ES" dirty="0"/>
+                  <a:t> centradas en </a:t>
                 </a:r>
                 <a14:m>
                   <m:oMath xmlns:m="http://schemas.openxmlformats.org/officeDocument/2006/math">
@@ -16808,7 +16854,19 @@
                 </a:pPr>
                 <a:r>
                   <a:rPr lang="es-ES" dirty="0"/>
-                  <a:t>La distribución Gaussiana o Normal multivariante es un caso de distribución elíptica: </a:t>
+                  <a:t>La distribución Gaussiana o </a:t>
+                </a:r>
+                <a:r>
+                  <a:rPr lang="es-ES" dirty="0">
+                    <a:solidFill>
+                      <a:srgbClr val="00B0F0"/>
+                    </a:solidFill>
+                  </a:rPr>
+                  <a:t>Normal multivariante </a:t>
+                </a:r>
+                <a:r>
+                  <a:rPr lang="es-ES" dirty="0"/>
+                  <a:t>es un caso de distribución elíptica: </a:t>
                 </a:r>
                 <a14:m>
                   <m:oMath xmlns:m="http://schemas.openxmlformats.org/officeDocument/2006/math">
@@ -16944,7 +17002,7 @@
               <a:blipFill>
                 <a:blip r:embed="rId2"/>
                 <a:stretch>
-                  <a:fillRect l="-129" t="-513" r="-194"/>
+                  <a:fillRect l="-129" t="-513"/>
                 </a:stretch>
               </a:blipFill>
             </p:spPr>
@@ -19136,19 +19194,7 @@
                           <a:rPr lang="es-ES" b="0" i="1" smtClean="0">
                             <a:latin typeface="Cambria Math" panose="02040503050406030204" pitchFamily="18" charset="0"/>
                           </a:rPr>
-                          <m:t>,</m:t>
-                        </m:r>
-                        <m:r>
-                          <a:rPr lang="es-ES" b="0" i="1" smtClean="0">
-                            <a:latin typeface="Cambria Math" panose="02040503050406030204" pitchFamily="18" charset="0"/>
-                          </a:rPr>
-                          <m:t>…</m:t>
-                        </m:r>
-                        <m:r>
-                          <a:rPr lang="es-ES" b="0" i="1" smtClean="0">
-                            <a:latin typeface="Cambria Math" panose="02040503050406030204" pitchFamily="18" charset="0"/>
-                          </a:rPr>
-                          <m:t>,</m:t>
+                          <m:t>,…,</m:t>
                         </m:r>
                         <m:sSub>
                           <m:sSubPr>
@@ -19181,47 +19227,69 @@
                 </a14:m>
                 <a:r>
                   <a:rPr lang="es-ES" dirty="0"/>
-                  <a:t> sigue una distribución esférica si su función de densidad solo depende de la variable a través de </a:t>
+                  <a:t> sigue una </a:t>
                 </a:r>
-                <a14:m>
-                  <m:oMath xmlns:m="http://schemas.openxmlformats.org/officeDocument/2006/math">
-                    <m:sSup>
-                      <m:sSupPr>
-                        <m:ctrlPr>
-                          <a:rPr lang="es-ES" b="1" i="1" smtClean="0">
-                            <a:latin typeface="Cambria Math" panose="02040503050406030204" pitchFamily="18" charset="0"/>
-                          </a:rPr>
-                        </m:ctrlPr>
-                      </m:sSupPr>
-                      <m:e>
-                        <m:r>
-                          <a:rPr lang="es-ES" b="1">
-                            <a:latin typeface="Cambria Math" panose="02040503050406030204" pitchFamily="18" charset="0"/>
-                          </a:rPr>
-                          <m:t>𝐱</m:t>
-                        </m:r>
-                      </m:e>
-                      <m:sup>
-                        <m:r>
-                          <a:rPr lang="es-ES" b="1" i="0" smtClean="0">
-                            <a:latin typeface="Cambria Math" panose="02040503050406030204" pitchFamily="18" charset="0"/>
-                          </a:rPr>
-                          <m:t>𝐭</m:t>
-                        </m:r>
-                      </m:sup>
-                    </m:sSup>
-                    <m:r>
-                      <a:rPr lang="es-ES" b="1">
-                        <a:latin typeface="Cambria Math" panose="02040503050406030204" pitchFamily="18" charset="0"/>
-                      </a:rPr>
-                      <m:t>𝐱</m:t>
-                    </m:r>
-                  </m:oMath>
-                </a14:m>
+                <a:r>
+                  <a:rPr lang="es-ES" dirty="0">
+                    <a:solidFill>
+                      <a:srgbClr val="92D050"/>
+                    </a:solidFill>
+                  </a:rPr>
+                  <a:t>distribución esférica </a:t>
+                </a:r>
                 <a:r>
                   <a:rPr lang="es-ES" dirty="0"/>
-                  <a:t>.</a:t>
+                  <a:t>si su función de densidad solo depende de la variable a través de </a:t>
                 </a:r>
+              </a:p>
+              <a:p>
+                <a:pPr marL="0" indent="0">
+                  <a:spcAft>
+                    <a:spcPts val="1800"/>
+                  </a:spcAft>
+                  <a:buNone/>
+                </a:pPr>
+                <a14:m>
+                  <m:oMathPara xmlns:m="http://schemas.openxmlformats.org/officeDocument/2006/math">
+                    <m:oMathParaPr>
+                      <m:jc m:val="centerGroup"/>
+                    </m:oMathParaPr>
+                    <m:oMath xmlns:m="http://schemas.openxmlformats.org/officeDocument/2006/math">
+                      <m:sSup>
+                        <m:sSupPr>
+                          <m:ctrlPr>
+                            <a:rPr lang="es-ES" b="1" i="1" smtClean="0">
+                              <a:latin typeface="Cambria Math" panose="02040503050406030204" pitchFamily="18" charset="0"/>
+                            </a:rPr>
+                          </m:ctrlPr>
+                        </m:sSupPr>
+                        <m:e>
+                          <m:r>
+                            <a:rPr lang="es-ES" b="1">
+                              <a:latin typeface="Cambria Math" panose="02040503050406030204" pitchFamily="18" charset="0"/>
+                            </a:rPr>
+                            <m:t>𝐱</m:t>
+                          </m:r>
+                        </m:e>
+                        <m:sup>
+                          <m:r>
+                            <a:rPr lang="es-ES" b="1" i="0" smtClean="0">
+                              <a:latin typeface="Cambria Math" panose="02040503050406030204" pitchFamily="18" charset="0"/>
+                            </a:rPr>
+                            <m:t>𝐭</m:t>
+                          </m:r>
+                        </m:sup>
+                      </m:sSup>
+                      <m:r>
+                        <a:rPr lang="es-ES" b="1">
+                          <a:latin typeface="Cambria Math" panose="02040503050406030204" pitchFamily="18" charset="0"/>
+                        </a:rPr>
+                        <m:t>𝐱</m:t>
+                      </m:r>
+                    </m:oMath>
+                  </m:oMathPara>
+                </a14:m>
+                <a:endParaRPr lang="es-ES" dirty="0"/>
               </a:p>
               <a:p>
                 <a:pPr>
@@ -19231,7 +19299,19 @@
                 </a:pPr>
                 <a:r>
                   <a:rPr lang="es-ES" dirty="0"/>
-                  <a:t>Las curvas de nivel de las distribuciones esféricas son esferas centrados en el origen.</a:t>
+                  <a:t>Las curvas de nivel de las distribuciones esféricas son </a:t>
+                </a:r>
+                <a:r>
+                  <a:rPr lang="es-ES" dirty="0">
+                    <a:solidFill>
+                      <a:srgbClr val="FFC000"/>
+                    </a:solidFill>
+                  </a:rPr>
+                  <a:t>esferas </a:t>
+                </a:r>
+                <a:r>
+                  <a:rPr lang="es-ES" dirty="0"/>
+                  <a:t>centrados en el origen.</a:t>
                 </a:r>
               </a:p>
               <a:p>
@@ -19317,7 +19397,19 @@
                 </a:pPr>
                 <a:r>
                   <a:rPr lang="es-ES" dirty="0"/>
-                  <a:t>En el caso bidimensional, las curvas de nivel serían circunferencias centradas en </a:t>
+                  <a:t>En el caso bidimensional, las curvas de nivel serían </a:t>
+                </a:r>
+                <a:r>
+                  <a:rPr lang="es-ES" dirty="0">
+                    <a:solidFill>
+                      <a:srgbClr val="FFC000"/>
+                    </a:solidFill>
+                  </a:rPr>
+                  <a:t>circunferencias</a:t>
+                </a:r>
+                <a:r>
+                  <a:rPr lang="es-ES" dirty="0"/>
+                  <a:t> centradas en </a:t>
                 </a:r>
                 <a14:m>
                   <m:oMath xmlns:m="http://schemas.openxmlformats.org/officeDocument/2006/math">
@@ -19342,7 +19434,19 @@
                 </a:pPr>
                 <a:r>
                   <a:rPr lang="es-ES" dirty="0"/>
-                  <a:t>La distribución Normal estándar multivariante es un caso de distribución esférica: </a:t>
+                  <a:t>La distribución </a:t>
+                </a:r>
+                <a:r>
+                  <a:rPr lang="es-ES" dirty="0">
+                    <a:solidFill>
+                      <a:srgbClr val="00B0F0"/>
+                    </a:solidFill>
+                  </a:rPr>
+                  <a:t>Normal estándar multivariante</a:t>
+                </a:r>
+                <a:r>
+                  <a:rPr lang="es-ES" dirty="0"/>
+                  <a:t> es un caso de distribución esférica: </a:t>
                 </a:r>
                 <a14:m>
                   <m:oMath xmlns:m="http://schemas.openxmlformats.org/officeDocument/2006/math">
@@ -20118,8 +20222,24 @@
                 <a:spcPts val="1800"/>
               </a:spcAft>
             </a:pPr>
+            <a:endParaRPr lang="es-ES" dirty="0">
+              <a:solidFill>
+                <a:srgbClr val="FFC000"/>
+              </a:solidFill>
+            </a:endParaRPr>
+          </a:p>
+          <a:p>
+            <a:pPr>
+              <a:spcAft>
+                <a:spcPts val="1800"/>
+              </a:spcAft>
+            </a:pPr>
             <a:r>
-              <a:rPr lang="es-ES" dirty="0"/>
+              <a:rPr lang="es-ES" dirty="0">
+                <a:solidFill>
+                  <a:srgbClr val="FFC000"/>
+                </a:solidFill>
+              </a:rPr>
               <a:t>Sin embargo la Normal es la única distribución en la familia que tiene la propiedad de que si la matriz de covarianza es diagonal (covarianzas cero) todas las variables que componen al vector aleatorio son independientes.</a:t>
             </a:r>
           </a:p>
